--- a/Presentation/Auto Exposure V2.pptx
+++ b/Presentation/Auto Exposure V2.pptx
@@ -107,6 +107,11 @@
       </a:defRPr>
     </a:lvl9pPr>
   </p:defaultTextStyle>
+  <p:extLst>
+    <p:ext uri="{EFAFB233-063F-42B5-8137-9DF3F51BA10A}">
+      <p15:sldGuideLst xmlns:p15="http://schemas.microsoft.com/office/powerpoint/2012/main"/>
+    </p:ext>
+  </p:extLst>
 </p:presentation>
 </file>
 
@@ -257,7 +262,7 @@
           <a:p>
             <a:fld id="{560D12C6-DFD3-4298-A1ED-3634BE2CD768}" type="datetimeFigureOut">
               <a:rPr lang="en-US" smtClean="0"/>
-              <a:t>2/23/2024</a:t>
+              <a:t>2/26/2024</a:t>
             </a:fld>
             <a:endParaRPr lang="en-US"/>
           </a:p>
@@ -455,7 +460,7 @@
           <a:p>
             <a:fld id="{560D12C6-DFD3-4298-A1ED-3634BE2CD768}" type="datetimeFigureOut">
               <a:rPr lang="en-US" smtClean="0"/>
-              <a:t>2/23/2024</a:t>
+              <a:t>2/26/2024</a:t>
             </a:fld>
             <a:endParaRPr lang="en-US"/>
           </a:p>
@@ -663,7 +668,7 @@
           <a:p>
             <a:fld id="{560D12C6-DFD3-4298-A1ED-3634BE2CD768}" type="datetimeFigureOut">
               <a:rPr lang="en-US" smtClean="0"/>
-              <a:t>2/23/2024</a:t>
+              <a:t>2/26/2024</a:t>
             </a:fld>
             <a:endParaRPr lang="en-US"/>
           </a:p>
@@ -861,7 +866,7 @@
           <a:p>
             <a:fld id="{560D12C6-DFD3-4298-A1ED-3634BE2CD768}" type="datetimeFigureOut">
               <a:rPr lang="en-US" smtClean="0"/>
-              <a:t>2/23/2024</a:t>
+              <a:t>2/26/2024</a:t>
             </a:fld>
             <a:endParaRPr lang="en-US"/>
           </a:p>
@@ -1136,7 +1141,7 @@
           <a:p>
             <a:fld id="{560D12C6-DFD3-4298-A1ED-3634BE2CD768}" type="datetimeFigureOut">
               <a:rPr lang="en-US" smtClean="0"/>
-              <a:t>2/23/2024</a:t>
+              <a:t>2/26/2024</a:t>
             </a:fld>
             <a:endParaRPr lang="en-US"/>
           </a:p>
@@ -1401,7 +1406,7 @@
           <a:p>
             <a:fld id="{560D12C6-DFD3-4298-A1ED-3634BE2CD768}" type="datetimeFigureOut">
               <a:rPr lang="en-US" smtClean="0"/>
-              <a:t>2/23/2024</a:t>
+              <a:t>2/26/2024</a:t>
             </a:fld>
             <a:endParaRPr lang="en-US"/>
           </a:p>
@@ -1813,7 +1818,7 @@
           <a:p>
             <a:fld id="{560D12C6-DFD3-4298-A1ED-3634BE2CD768}" type="datetimeFigureOut">
               <a:rPr lang="en-US" smtClean="0"/>
-              <a:t>2/23/2024</a:t>
+              <a:t>2/26/2024</a:t>
             </a:fld>
             <a:endParaRPr lang="en-US"/>
           </a:p>
@@ -1954,7 +1959,7 @@
           <a:p>
             <a:fld id="{560D12C6-DFD3-4298-A1ED-3634BE2CD768}" type="datetimeFigureOut">
               <a:rPr lang="en-US" smtClean="0"/>
-              <a:t>2/23/2024</a:t>
+              <a:t>2/26/2024</a:t>
             </a:fld>
             <a:endParaRPr lang="en-US"/>
           </a:p>
@@ -2067,7 +2072,7 @@
           <a:p>
             <a:fld id="{560D12C6-DFD3-4298-A1ED-3634BE2CD768}" type="datetimeFigureOut">
               <a:rPr lang="en-US" smtClean="0"/>
-              <a:t>2/23/2024</a:t>
+              <a:t>2/26/2024</a:t>
             </a:fld>
             <a:endParaRPr lang="en-US"/>
           </a:p>
@@ -2378,7 +2383,7 @@
           <a:p>
             <a:fld id="{560D12C6-DFD3-4298-A1ED-3634BE2CD768}" type="datetimeFigureOut">
               <a:rPr lang="en-US" smtClean="0"/>
-              <a:t>2/23/2024</a:t>
+              <a:t>2/26/2024</a:t>
             </a:fld>
             <a:endParaRPr lang="en-US"/>
           </a:p>
@@ -2666,7 +2671,7 @@
           <a:p>
             <a:fld id="{560D12C6-DFD3-4298-A1ED-3634BE2CD768}" type="datetimeFigureOut">
               <a:rPr lang="en-US" smtClean="0"/>
-              <a:t>2/23/2024</a:t>
+              <a:t>2/26/2024</a:t>
             </a:fld>
             <a:endParaRPr lang="en-US"/>
           </a:p>
@@ -2907,7 +2912,7 @@
           <a:p>
             <a:fld id="{560D12C6-DFD3-4298-A1ED-3634BE2CD768}" type="datetimeFigureOut">
               <a:rPr lang="en-US" smtClean="0"/>
-              <a:t>2/23/2024</a:t>
+              <a:t>2/26/2024</a:t>
             </a:fld>
             <a:endParaRPr lang="en-US"/>
           </a:p>
@@ -3576,7 +3581,7 @@
         </p:nvSpPr>
         <p:spPr>
           <a:xfrm>
-            <a:off x="838200" y="244355"/>
+            <a:off x="237067" y="0"/>
             <a:ext cx="10515600" cy="592407"/>
           </a:xfrm>
         </p:spPr>
@@ -3611,8 +3616,8 @@
         </p:nvSpPr>
         <p:spPr>
           <a:xfrm>
-            <a:off x="838200" y="1138686"/>
-            <a:ext cx="10515600" cy="5586309"/>
+            <a:off x="567267" y="836762"/>
+            <a:ext cx="10515600" cy="5902705"/>
           </a:xfrm>
         </p:spPr>
         <p:txBody>
@@ -3626,21 +3631,21 @@
               <a:buAutoNum type="arabicPeriod"/>
             </a:pPr>
             <a:r>
-              <a:rPr lang="en-US" sz="1800" dirty="0"/>
+              <a:rPr lang="en-US" sz="1600" dirty="0"/>
               <a:t>Use tissue detection to see if tile has tissue or not</a:t>
             </a:r>
           </a:p>
           <a:p>
             <a:pPr lvl="1"/>
             <a:r>
-              <a:rPr lang="en-US" sz="1400" dirty="0"/>
+              <a:rPr lang="en-US" sz="1200" dirty="0"/>
               <a:t>No use in using anything that has no chance of having stain on it into calculations</a:t>
             </a:r>
           </a:p>
           <a:p>
             <a:pPr lvl="1"/>
             <a:r>
-              <a:rPr lang="en-US" sz="1400" dirty="0"/>
+              <a:rPr lang="en-US" sz="1200" dirty="0"/>
               <a:t>I use every single tile in making pixel sets. Not tile by tile basis. Every single tissue containing tile is thrown into pool.</a:t>
             </a:r>
           </a:p>
@@ -3650,14 +3655,14 @@
               <a:buAutoNum type="arabicPeriod"/>
             </a:pPr>
             <a:r>
-              <a:rPr lang="en-US" sz="1800" dirty="0"/>
+              <a:rPr lang="en-US" sz="1600" dirty="0"/>
               <a:t>Subtract autofluorescence image from image to be used to calc the new exposure from</a:t>
             </a:r>
           </a:p>
           <a:p>
             <a:pPr lvl="1"/>
             <a:r>
-              <a:rPr lang="en-US" sz="1400" dirty="0"/>
+              <a:rPr lang="en-US" sz="1200" dirty="0"/>
               <a:t>This eliminates a huge issue in calculations. Namely its tough to separate the background/non stained tissue pixels from the rest via global thresholding. This completely eliminates them and leaves us with pixels that contain stain and or ‘junk’ and very dim non stain pixels</a:t>
             </a:r>
           </a:p>
@@ -3667,22 +3672,22 @@
               <a:buAutoNum type="arabicPeriod"/>
             </a:pPr>
             <a:r>
-              <a:rPr lang="en-US" sz="1800" dirty="0"/>
+              <a:rPr lang="en-US" sz="1600" dirty="0"/>
               <a:t>Otsu threshold set of pixels that remain after subtraction. </a:t>
             </a:r>
           </a:p>
           <a:p>
             <a:pPr lvl="1"/>
             <a:r>
-              <a:rPr lang="en-US" sz="1400" dirty="0"/>
+              <a:rPr lang="en-US" sz="1200" dirty="0"/>
               <a:t>After subbing, the intensity gap between non stained and stain pixels/’junk’ containing pixels should be very large allowing </a:t>
             </a:r>
             <a:r>
-              <a:rPr lang="en-US" sz="1400" dirty="0" err="1"/>
+              <a:rPr lang="en-US" sz="1200" dirty="0" err="1"/>
               <a:t>Otsus</a:t>
             </a:r>
             <a:r>
-              <a:rPr lang="en-US" sz="1400" dirty="0"/>
+              <a:rPr lang="en-US" sz="1200" dirty="0"/>
               <a:t> method to easily make a threshold between the two classes</a:t>
             </a:r>
           </a:p>
@@ -3692,14 +3697,14 @@
               <a:buAutoNum type="arabicPeriod"/>
             </a:pPr>
             <a:r>
-              <a:rPr lang="en-US" sz="1800" dirty="0"/>
+              <a:rPr lang="en-US" sz="1600" dirty="0"/>
               <a:t>Eliminate the 1% dimmest and brightest pixels from the above threshold pixel set</a:t>
             </a:r>
           </a:p>
           <a:p>
             <a:pPr lvl="1"/>
             <a:r>
-              <a:rPr lang="en-US" sz="1400" dirty="0"/>
+              <a:rPr lang="en-US" sz="1200" dirty="0"/>
               <a:t>Just boiler plate outlier elimination. Should boot off small junk and some strays from the non stained pixel set that made it just past the threshold</a:t>
             </a:r>
           </a:p>
@@ -3709,14 +3714,14 @@
               <a:buAutoNum type="arabicPeriod"/>
             </a:pPr>
             <a:r>
-              <a:rPr lang="en-US" sz="1800" dirty="0"/>
+              <a:rPr lang="en-US" sz="1600" dirty="0"/>
               <a:t>Determine dimmest remaining pixel value</a:t>
             </a:r>
           </a:p>
           <a:p>
             <a:pPr lvl="1"/>
             <a:r>
-              <a:rPr lang="en-US" sz="1400" dirty="0"/>
+              <a:rPr lang="en-US" sz="1200" dirty="0"/>
               <a:t>I care to set my exp based on the dimmest relevant pixel</a:t>
             </a:r>
           </a:p>
@@ -3726,31 +3731,82 @@
               <a:buAutoNum type="arabicPeriod"/>
             </a:pPr>
             <a:r>
-              <a:rPr lang="en-US" sz="1800" dirty="0"/>
+              <a:rPr lang="en-US" sz="1600" dirty="0"/>
               <a:t>Calculate new exp value from dimmest pixel</a:t>
             </a:r>
           </a:p>
           <a:p>
             <a:pPr lvl="1"/>
             <a:r>
-              <a:rPr lang="en-US" sz="1400" dirty="0"/>
+              <a:rPr lang="en-US" sz="1200" dirty="0"/>
               <a:t>I am assuming perfect linearity (it’s a really good assumption, I tested it)</a:t>
             </a:r>
           </a:p>
           <a:p>
             <a:pPr lvl="1"/>
             <a:r>
-              <a:rPr lang="en-US" sz="1400" dirty="0"/>
+              <a:rPr lang="en-US" sz="1200" dirty="0"/>
               <a:t>Set point is a variable that says how bright I want that dimmest pixel to be, </a:t>
             </a:r>
             <a:r>
-              <a:rPr lang="en-US" sz="1400" dirty="0" err="1"/>
+              <a:rPr lang="en-US" sz="1200" dirty="0" err="1"/>
               <a:t>ie</a:t>
             </a:r>
             <a:r>
-              <a:rPr lang="en-US" sz="1400" dirty="0"/>
+              <a:rPr lang="en-US" sz="1200" dirty="0"/>
               <a:t> 5000 counts, etc.</a:t>
             </a:r>
+          </a:p>
+          <a:p>
+            <a:pPr marL="342900" indent="-342900">
+              <a:buFont typeface="+mj-lt"/>
+              <a:buAutoNum type="arabicPeriod"/>
+            </a:pPr>
+            <a:r>
+              <a:rPr lang="en-US" sz="1600" dirty="0"/>
+              <a:t>Calculate frame count from brightest pixel</a:t>
+            </a:r>
+          </a:p>
+          <a:p>
+            <a:pPr lvl="1"/>
+            <a:r>
+              <a:rPr lang="en-US" sz="1200" dirty="0"/>
+              <a:t>Find projected value of brightest pixel when using new exposure value. Scale to 85% of max value in 16 bit range and determine the ratio. A ratio of 1.8 says it would saturate an image, but if the exposure time was distributed over 2, half exposure frames, it would not saturate. </a:t>
+            </a:r>
+          </a:p>
+          <a:p>
+            <a:pPr marL="342900" indent="-342900">
+              <a:buFont typeface="+mj-lt"/>
+              <a:buAutoNum type="arabicPeriod"/>
+            </a:pPr>
+            <a:r>
+              <a:rPr lang="en-US" sz="1600" dirty="0"/>
+              <a:t>If needed, scale </a:t>
+            </a:r>
+            <a:r>
+              <a:rPr lang="en-US" sz="1600" dirty="0" err="1"/>
+              <a:t>new_exp</a:t>
+            </a:r>
+            <a:r>
+              <a:rPr lang="en-US" sz="1600" dirty="0"/>
+              <a:t> value to frame count</a:t>
+            </a:r>
+          </a:p>
+          <a:p>
+            <a:pPr lvl="1"/>
+            <a:r>
+              <a:rPr lang="en-US" sz="1200" dirty="0"/>
+              <a:t>If frame count is 3, just divide </a:t>
+            </a:r>
+            <a:r>
+              <a:rPr lang="en-US" sz="1200" dirty="0" err="1"/>
+              <a:t>new_exp</a:t>
+            </a:r>
+            <a:r>
+              <a:rPr lang="en-US" sz="1200"/>
+              <a:t> value by 3.</a:t>
+            </a:r>
+            <a:endParaRPr lang="en-US" sz="1200" dirty="0"/>
           </a:p>
           <a:p>
             <a:pPr marL="342900" indent="-342900">
